--- a/MSBI.E10-SQL/MSBI.Dev.S20E10.pptx
+++ b/MSBI.E10-SQL/MSBI.Dev.S20E10.pptx
@@ -7,10 +7,10 @@
     <p:sldMasterId id="2147483762" r:id="rId6"/>
   </p:sldMasterIdLst>
   <p:notesMasterIdLst>
-    <p:notesMasterId r:id="rId40"/>
+    <p:notesMasterId r:id="rId41"/>
   </p:notesMasterIdLst>
   <p:handoutMasterIdLst>
-    <p:handoutMasterId r:id="rId41"/>
+    <p:handoutMasterId r:id="rId42"/>
   </p:handoutMasterIdLst>
   <p:sldIdLst>
     <p:sldId id="276" r:id="rId7"/>
@@ -41,11 +41,12 @@
     <p:sldId id="578" r:id="rId32"/>
     <p:sldId id="650" r:id="rId33"/>
     <p:sldId id="651" r:id="rId34"/>
-    <p:sldId id="624" r:id="rId35"/>
-    <p:sldId id="625" r:id="rId36"/>
-    <p:sldId id="626" r:id="rId37"/>
-    <p:sldId id="640" r:id="rId38"/>
-    <p:sldId id="652" r:id="rId39"/>
+    <p:sldId id="653" r:id="rId35"/>
+    <p:sldId id="624" r:id="rId36"/>
+    <p:sldId id="625" r:id="rId37"/>
+    <p:sldId id="626" r:id="rId38"/>
+    <p:sldId id="640" r:id="rId39"/>
+    <p:sldId id="652" r:id="rId40"/>
   </p:sldIdLst>
   <p:sldSz cx="9144000" cy="5143500" type="screen16x9"/>
   <p:notesSz cx="6858000" cy="9144000"/>
@@ -2526,56 +2527,23 @@
           <a:bodyPr/>
           <a:lstStyle/>
           <a:p>
-            <a:r>
-              <a:rPr lang="en-US" sz="900" b="0" i="0" u="none" strike="noStrike" kern="1200" baseline="0" dirty="0">
-                <a:solidFill>
-                  <a:schemeClr val="tx1"/>
-                </a:solidFill>
-                <a:latin typeface="+mn-lt"/>
-                <a:ea typeface="+mn-ea"/>
-                <a:cs typeface="+mn-cs"/>
-              </a:rPr>
-              <a:t>■■ Executing stored procedures</a:t>
-            </a:r>
-          </a:p>
-          <a:p>
-            <a:r>
-              <a:rPr lang="en-US" sz="900" b="0" i="0" u="none" strike="noStrike" kern="1200" baseline="0" dirty="0">
-                <a:solidFill>
-                  <a:schemeClr val="tx1"/>
-                </a:solidFill>
-                <a:latin typeface="+mn-lt"/>
-                <a:ea typeface="+mn-ea"/>
-                <a:cs typeface="+mn-cs"/>
-              </a:rPr>
-              <a:t>■■ Impersonating users or logins</a:t>
-            </a:r>
-          </a:p>
-          <a:p>
-            <a:r>
-              <a:rPr lang="en-US" sz="900" b="0" i="0" u="none" strike="noStrike" kern="1200" baseline="0" dirty="0">
-                <a:solidFill>
-                  <a:schemeClr val="tx1"/>
-                </a:solidFill>
-                <a:latin typeface="+mn-lt"/>
-                <a:ea typeface="+mn-ea"/>
-                <a:cs typeface="+mn-cs"/>
-              </a:rPr>
-              <a:t>■■ Querying a linked server</a:t>
-            </a:r>
-          </a:p>
-          <a:p>
-            <a:r>
-              <a:rPr lang="en-US" sz="900" b="0" i="0" u="none" strike="noStrike" kern="1200" baseline="0" dirty="0">
-                <a:solidFill>
-                  <a:schemeClr val="tx1"/>
-                </a:solidFill>
-                <a:latin typeface="+mn-lt"/>
-                <a:ea typeface="+mn-ea"/>
-                <a:cs typeface="+mn-cs"/>
-              </a:rPr>
-              <a:t>■■ Executing dynamic SQL generated strings</a:t>
-            </a:r>
+            <a:pPr marL="0" marR="0" indent="0" algn="l" defTabSz="914400" rtl="0" eaLnBrk="1" fontAlgn="auto" latinLnBrk="0" hangingPunct="1">
+              <a:lnSpc>
+                <a:spcPct val="100000"/>
+              </a:lnSpc>
+              <a:spcBef>
+                <a:spcPts val="0"/>
+              </a:spcBef>
+              <a:spcAft>
+                <a:spcPts val="0"/>
+              </a:spcAft>
+              <a:buClrTx/>
+              <a:buSzTx/>
+              <a:buFontTx/>
+              <a:buNone/>
+              <a:tabLst/>
+              <a:defRPr/>
+            </a:pPr>
             <a:endParaRPr lang="en-US" dirty="0"/>
           </a:p>
         </p:txBody>
@@ -2606,7 +2574,7 @@
     </p:spTree>
     <p:extLst>
       <p:ext uri="{BB962C8B-B14F-4D97-AF65-F5344CB8AC3E}">
-        <p14:creationId xmlns:p14="http://schemas.microsoft.com/office/powerpoint/2010/main" val="3171356396"/>
+        <p14:creationId xmlns:p14="http://schemas.microsoft.com/office/powerpoint/2010/main" val="3716087876"/>
       </p:ext>
     </p:extLst>
   </p:cSld>
@@ -2665,56 +2633,6 @@
           <a:bodyPr/>
           <a:lstStyle/>
           <a:p>
-            <a:r>
-              <a:rPr lang="en-US" sz="900" b="0" i="0" u="none" strike="noStrike" kern="1200" baseline="0" dirty="0">
-                <a:solidFill>
-                  <a:schemeClr val="tx1"/>
-                </a:solidFill>
-                <a:latin typeface="+mn-lt"/>
-                <a:ea typeface="+mn-ea"/>
-                <a:cs typeface="+mn-cs"/>
-              </a:rPr>
-              <a:t>■■ Executing stored procedures</a:t>
-            </a:r>
-          </a:p>
-          <a:p>
-            <a:r>
-              <a:rPr lang="en-US" sz="900" b="0" i="0" u="none" strike="noStrike" kern="1200" baseline="0" dirty="0">
-                <a:solidFill>
-                  <a:schemeClr val="tx1"/>
-                </a:solidFill>
-                <a:latin typeface="+mn-lt"/>
-                <a:ea typeface="+mn-ea"/>
-                <a:cs typeface="+mn-cs"/>
-              </a:rPr>
-              <a:t>■■ Impersonating users or logins</a:t>
-            </a:r>
-          </a:p>
-          <a:p>
-            <a:r>
-              <a:rPr lang="en-US" sz="900" b="0" i="0" u="none" strike="noStrike" kern="1200" baseline="0" dirty="0">
-                <a:solidFill>
-                  <a:schemeClr val="tx1"/>
-                </a:solidFill>
-                <a:latin typeface="+mn-lt"/>
-                <a:ea typeface="+mn-ea"/>
-                <a:cs typeface="+mn-cs"/>
-              </a:rPr>
-              <a:t>■■ Querying a linked server</a:t>
-            </a:r>
-          </a:p>
-          <a:p>
-            <a:r>
-              <a:rPr lang="en-US" sz="900" b="0" i="0" u="none" strike="noStrike" kern="1200" baseline="0" dirty="0">
-                <a:solidFill>
-                  <a:schemeClr val="tx1"/>
-                </a:solidFill>
-                <a:latin typeface="+mn-lt"/>
-                <a:ea typeface="+mn-ea"/>
-                <a:cs typeface="+mn-cs"/>
-              </a:rPr>
-              <a:t>■■ Executing dynamic SQL generated strings</a:t>
-            </a:r>
             <a:endParaRPr lang="en-US" dirty="0"/>
           </a:p>
         </p:txBody>
@@ -2745,7 +2663,7 @@
     </p:spTree>
     <p:extLst>
       <p:ext uri="{BB962C8B-B14F-4D97-AF65-F5344CB8AC3E}">
-        <p14:creationId xmlns:p14="http://schemas.microsoft.com/office/powerpoint/2010/main" val="3617535921"/>
+        <p14:creationId xmlns:p14="http://schemas.microsoft.com/office/powerpoint/2010/main" val="3171356396"/>
       </p:ext>
     </p:extLst>
   </p:cSld>
@@ -2804,56 +2722,6 @@
           <a:bodyPr/>
           <a:lstStyle/>
           <a:p>
-            <a:r>
-              <a:rPr lang="en-US" sz="900" b="0" i="0" u="none" strike="noStrike" kern="1200" baseline="0" dirty="0">
-                <a:solidFill>
-                  <a:schemeClr val="tx1"/>
-                </a:solidFill>
-                <a:latin typeface="+mn-lt"/>
-                <a:ea typeface="+mn-ea"/>
-                <a:cs typeface="+mn-cs"/>
-              </a:rPr>
-              <a:t>■■ Executing stored procedures</a:t>
-            </a:r>
-          </a:p>
-          <a:p>
-            <a:r>
-              <a:rPr lang="en-US" sz="900" b="0" i="0" u="none" strike="noStrike" kern="1200" baseline="0" dirty="0">
-                <a:solidFill>
-                  <a:schemeClr val="tx1"/>
-                </a:solidFill>
-                <a:latin typeface="+mn-lt"/>
-                <a:ea typeface="+mn-ea"/>
-                <a:cs typeface="+mn-cs"/>
-              </a:rPr>
-              <a:t>■■ Impersonating users or logins</a:t>
-            </a:r>
-          </a:p>
-          <a:p>
-            <a:r>
-              <a:rPr lang="en-US" sz="900" b="0" i="0" u="none" strike="noStrike" kern="1200" baseline="0" dirty="0">
-                <a:solidFill>
-                  <a:schemeClr val="tx1"/>
-                </a:solidFill>
-                <a:latin typeface="+mn-lt"/>
-                <a:ea typeface="+mn-ea"/>
-                <a:cs typeface="+mn-cs"/>
-              </a:rPr>
-              <a:t>■■ Querying a linked server</a:t>
-            </a:r>
-          </a:p>
-          <a:p>
-            <a:r>
-              <a:rPr lang="en-US" sz="900" b="0" i="0" u="none" strike="noStrike" kern="1200" baseline="0" dirty="0">
-                <a:solidFill>
-                  <a:schemeClr val="tx1"/>
-                </a:solidFill>
-                <a:latin typeface="+mn-lt"/>
-                <a:ea typeface="+mn-ea"/>
-                <a:cs typeface="+mn-cs"/>
-              </a:rPr>
-              <a:t>■■ Executing dynamic SQL generated strings</a:t>
-            </a:r>
             <a:endParaRPr lang="en-US" dirty="0"/>
           </a:p>
         </p:txBody>
@@ -2884,7 +2752,7 @@
     </p:spTree>
     <p:extLst>
       <p:ext uri="{BB962C8B-B14F-4D97-AF65-F5344CB8AC3E}">
-        <p14:creationId xmlns:p14="http://schemas.microsoft.com/office/powerpoint/2010/main" val="1378629524"/>
+        <p14:creationId xmlns:p14="http://schemas.microsoft.com/office/powerpoint/2010/main" val="3617535921"/>
       </p:ext>
     </p:extLst>
   </p:cSld>
@@ -2943,56 +2811,6 @@
           <a:bodyPr/>
           <a:lstStyle/>
           <a:p>
-            <a:r>
-              <a:rPr lang="en-US" sz="900" b="0" i="0" u="none" strike="noStrike" kern="1200" baseline="0" dirty="0">
-                <a:solidFill>
-                  <a:schemeClr val="tx1"/>
-                </a:solidFill>
-                <a:latin typeface="+mn-lt"/>
-                <a:ea typeface="+mn-ea"/>
-                <a:cs typeface="+mn-cs"/>
-              </a:rPr>
-              <a:t>■■ Executing stored procedures</a:t>
-            </a:r>
-          </a:p>
-          <a:p>
-            <a:r>
-              <a:rPr lang="en-US" sz="900" b="0" i="0" u="none" strike="noStrike" kern="1200" baseline="0" dirty="0">
-                <a:solidFill>
-                  <a:schemeClr val="tx1"/>
-                </a:solidFill>
-                <a:latin typeface="+mn-lt"/>
-                <a:ea typeface="+mn-ea"/>
-                <a:cs typeface="+mn-cs"/>
-              </a:rPr>
-              <a:t>■■ Impersonating users or logins</a:t>
-            </a:r>
-          </a:p>
-          <a:p>
-            <a:r>
-              <a:rPr lang="en-US" sz="900" b="0" i="0" u="none" strike="noStrike" kern="1200" baseline="0" dirty="0">
-                <a:solidFill>
-                  <a:schemeClr val="tx1"/>
-                </a:solidFill>
-                <a:latin typeface="+mn-lt"/>
-                <a:ea typeface="+mn-ea"/>
-                <a:cs typeface="+mn-cs"/>
-              </a:rPr>
-              <a:t>■■ Querying a linked server</a:t>
-            </a:r>
-          </a:p>
-          <a:p>
-            <a:r>
-              <a:rPr lang="en-US" sz="900" b="0" i="0" u="none" strike="noStrike" kern="1200" baseline="0" dirty="0">
-                <a:solidFill>
-                  <a:schemeClr val="tx1"/>
-                </a:solidFill>
-                <a:latin typeface="+mn-lt"/>
-                <a:ea typeface="+mn-ea"/>
-                <a:cs typeface="+mn-cs"/>
-              </a:rPr>
-              <a:t>■■ Executing dynamic SQL generated strings</a:t>
-            </a:r>
             <a:endParaRPr lang="en-US" dirty="0"/>
           </a:p>
         </p:txBody>
@@ -3015,6 +2833,95 @@
             <a:fld id="{7AE90029-A909-AD4E-9775-A0D64990AD22}" type="slidenum">
               <a:rPr lang="en-US" smtClean="0"/>
               <a:t>32</a:t>
+            </a:fld>
+            <a:endParaRPr lang="en-US"/>
+          </a:p>
+        </p:txBody>
+      </p:sp>
+    </p:spTree>
+    <p:extLst>
+      <p:ext uri="{BB962C8B-B14F-4D97-AF65-F5344CB8AC3E}">
+        <p14:creationId xmlns:p14="http://schemas.microsoft.com/office/powerpoint/2010/main" val="1378629524"/>
+      </p:ext>
+    </p:extLst>
+  </p:cSld>
+  <p:clrMapOvr>
+    <a:masterClrMapping/>
+  </p:clrMapOvr>
+</p:notes>
+</file>
+
+<file path=ppt/notesSlides/notesSlide27.xml><?xml version="1.0" encoding="utf-8"?>
+<p:notes xmlns:a="http://schemas.openxmlformats.org/drawingml/2006/main" xmlns:r="http://schemas.openxmlformats.org/officeDocument/2006/relationships" xmlns:p="http://schemas.openxmlformats.org/presentationml/2006/main">
+  <p:cSld>
+    <p:spTree>
+      <p:nvGrpSpPr>
+        <p:cNvPr id="1" name=""/>
+        <p:cNvGrpSpPr/>
+        <p:nvPr/>
+      </p:nvGrpSpPr>
+      <p:grpSpPr>
+        <a:xfrm>
+          <a:off x="0" y="0"/>
+          <a:ext cx="0" cy="0"/>
+          <a:chOff x="0" y="0"/>
+          <a:chExt cx="0" cy="0"/>
+        </a:xfrm>
+      </p:grpSpPr>
+      <p:sp>
+        <p:nvSpPr>
+          <p:cNvPr id="2" name="Slide Image Placeholder 1"/>
+          <p:cNvSpPr>
+            <a:spLocks noGrp="1" noRot="1" noChangeAspect="1"/>
+          </p:cNvSpPr>
+          <p:nvPr>
+            <p:ph type="sldImg"/>
+          </p:nvPr>
+        </p:nvSpPr>
+        <p:spPr>
+          <a:xfrm>
+            <a:off x="381000" y="685800"/>
+            <a:ext cx="6096000" cy="3429000"/>
+          </a:xfrm>
+        </p:spPr>
+      </p:sp>
+      <p:sp>
+        <p:nvSpPr>
+          <p:cNvPr id="3" name="Notes Placeholder 2"/>
+          <p:cNvSpPr>
+            <a:spLocks noGrp="1"/>
+          </p:cNvSpPr>
+          <p:nvPr>
+            <p:ph type="body" idx="1"/>
+          </p:nvPr>
+        </p:nvSpPr>
+        <p:spPr/>
+        <p:txBody>
+          <a:bodyPr/>
+          <a:lstStyle/>
+          <a:p>
+            <a:endParaRPr lang="en-US" dirty="0"/>
+          </a:p>
+        </p:txBody>
+      </p:sp>
+      <p:sp>
+        <p:nvSpPr>
+          <p:cNvPr id="4" name="Slide Number Placeholder 3"/>
+          <p:cNvSpPr>
+            <a:spLocks noGrp="1"/>
+          </p:cNvSpPr>
+          <p:nvPr>
+            <p:ph type="sldNum" sz="quarter" idx="10"/>
+          </p:nvPr>
+        </p:nvSpPr>
+        <p:spPr/>
+        <p:txBody>
+          <a:bodyPr/>
+          <a:lstStyle/>
+          <a:p>
+            <a:fld id="{7AE90029-A909-AD4E-9775-A0D64990AD22}" type="slidenum">
+              <a:rPr lang="en-US" smtClean="0"/>
+              <a:t>33</a:t>
             </a:fld>
             <a:endParaRPr lang="en-US"/>
           </a:p>
@@ -35109,6 +35016,12 @@
 <file path=ppt/slides/slide29.xml><?xml version="1.0" encoding="utf-8"?>
 <p:sld xmlns:a="http://schemas.openxmlformats.org/drawingml/2006/main" xmlns:r="http://schemas.openxmlformats.org/officeDocument/2006/relationships" xmlns:p="http://schemas.openxmlformats.org/presentationml/2006/main">
   <p:cSld>
+    <p:bg>
+      <p:bgPr>
+        <a:noFill/>
+        <a:effectLst/>
+      </p:bgPr>
+    </p:bg>
     <p:spTree>
       <p:nvGrpSpPr>
         <p:cNvPr id="1" name=""/>
@@ -35125,7 +35038,7 @@
       </p:grpSpPr>
       <p:sp>
         <p:nvSpPr>
-          <p:cNvPr id="11" name="Content Placeholder 2"/>
+          <p:cNvPr id="7" name="Content Placeholder 2"/>
           <p:cNvSpPr txBox="1">
             <a:spLocks/>
           </p:cNvSpPr>
@@ -35133,8 +35046,8 @@
         </p:nvSpPr>
         <p:spPr>
           <a:xfrm>
-            <a:off x="408870" y="1503478"/>
-            <a:ext cx="8326259" cy="3287972"/>
+            <a:off x="357187" y="1422400"/>
+            <a:ext cx="8148173" cy="3029637"/>
           </a:xfrm>
           <a:prstGeom prst="rect">
             <a:avLst/>
@@ -35280,7 +35193,7 @@
             </a:lvl9pPr>
           </a:lstStyle>
           <a:p>
-            <a:pPr marL="0" lvl="2" indent="0">
+            <a:pPr marL="173736" lvl="2" indent="-173736">
               <a:lnSpc>
                 <a:spcPct val="110000"/>
               </a:lnSpc>
@@ -35293,558 +35206,63 @@
               <a:buClr>
                 <a:srgbClr val="2FC2D9"/>
               </a:buClr>
-              <a:buNone/>
               <a:defRPr/>
             </a:pPr>
-            <a:endParaRPr lang="en-US" sz="2000" b="1" dirty="0"/>
+            <a:r>
+              <a:rPr lang="en-US" sz="1600" dirty="0"/>
+              <a:t>Global temporary table</a:t>
+            </a:r>
+          </a:p>
+          <a:p>
+            <a:pPr marL="173736" lvl="2" indent="-173736">
+              <a:lnSpc>
+                <a:spcPct val="110000"/>
+              </a:lnSpc>
+              <a:spcBef>
+                <a:spcPts val="0"/>
+              </a:spcBef>
+              <a:spcAft>
+                <a:spcPts val="1300"/>
+              </a:spcAft>
+              <a:buClr>
+                <a:srgbClr val="2FC2D9"/>
+              </a:buClr>
+              <a:defRPr/>
+            </a:pPr>
+            <a:r>
+              <a:rPr lang="en-US" sz="1600" dirty="0"/>
+              <a:t>Local temporary table</a:t>
+            </a:r>
+          </a:p>
+          <a:p>
+            <a:pPr marL="173736" lvl="2" indent="-173736">
+              <a:lnSpc>
+                <a:spcPct val="110000"/>
+              </a:lnSpc>
+              <a:spcBef>
+                <a:spcPts val="0"/>
+              </a:spcBef>
+              <a:spcAft>
+                <a:spcPts val="1300"/>
+              </a:spcAft>
+              <a:buClr>
+                <a:srgbClr val="2FC2D9"/>
+              </a:buClr>
+              <a:defRPr/>
+            </a:pPr>
+            <a:r>
+              <a:rPr lang="en-US" sz="1600" dirty="0"/>
+              <a:t>Table variable</a:t>
+            </a:r>
           </a:p>
         </p:txBody>
       </p:sp>
       <p:sp>
         <p:nvSpPr>
-          <p:cNvPr id="2" name="Rectangle 1">
+          <p:cNvPr id="4" name="Title 3">
             <a:extLst>
               <a:ext uri="{FF2B5EF4-FFF2-40B4-BE49-F238E27FC236}">
-                <a16:creationId xmlns:a16="http://schemas.microsoft.com/office/drawing/2014/main" id="{A6423DCB-1870-4A3B-985A-3EBAA606219E}"/>
-              </a:ext>
-            </a:extLst>
-          </p:cNvPr>
-          <p:cNvSpPr/>
-          <p:nvPr/>
-        </p:nvSpPr>
-        <p:spPr>
-          <a:xfrm>
-            <a:off x="537098" y="1546181"/>
-            <a:ext cx="6778101" cy="2031325"/>
-          </a:xfrm>
-          <a:prstGeom prst="rect">
-            <a:avLst/>
-          </a:prstGeom>
-        </p:spPr>
-        <p:txBody>
-          <a:bodyPr wrap="square">
-            <a:spAutoFit/>
-          </a:bodyPr>
-          <a:lstStyle/>
-          <a:p>
-            <a:r>
-              <a:rPr lang="en-US" dirty="0">
-                <a:solidFill>
-                  <a:srgbClr val="0000FF"/>
-                </a:solidFill>
-                <a:latin typeface="Consolas" panose="020B0609020204030204" pitchFamily="49" charset="0"/>
-              </a:rPr>
-              <a:t>DROP</a:t>
-            </a:r>
-            <a:r>
-              <a:rPr lang="en-US" dirty="0">
-                <a:solidFill>
-                  <a:srgbClr val="000000"/>
-                </a:solidFill>
-                <a:latin typeface="Consolas" panose="020B0609020204030204" pitchFamily="49" charset="0"/>
-              </a:rPr>
-              <a:t> </a:t>
-            </a:r>
-            <a:r>
-              <a:rPr lang="en-US" dirty="0">
-                <a:solidFill>
-                  <a:srgbClr val="0000FF"/>
-                </a:solidFill>
-                <a:latin typeface="Consolas" panose="020B0609020204030204" pitchFamily="49" charset="0"/>
-              </a:rPr>
-              <a:t>TABLE</a:t>
-            </a:r>
-            <a:r>
-              <a:rPr lang="en-US" dirty="0">
-                <a:solidFill>
-                  <a:srgbClr val="000000"/>
-                </a:solidFill>
-                <a:latin typeface="Consolas" panose="020B0609020204030204" pitchFamily="49" charset="0"/>
-              </a:rPr>
-              <a:t> </a:t>
-            </a:r>
-            <a:r>
-              <a:rPr lang="en-US" dirty="0">
-                <a:solidFill>
-                  <a:srgbClr val="0000FF"/>
-                </a:solidFill>
-                <a:latin typeface="Consolas" panose="020B0609020204030204" pitchFamily="49" charset="0"/>
-              </a:rPr>
-              <a:t>IF</a:t>
-            </a:r>
-            <a:r>
-              <a:rPr lang="en-US" dirty="0">
-                <a:solidFill>
-                  <a:srgbClr val="000000"/>
-                </a:solidFill>
-                <a:latin typeface="Consolas" panose="020B0609020204030204" pitchFamily="49" charset="0"/>
-              </a:rPr>
-              <a:t> </a:t>
-            </a:r>
-            <a:r>
-              <a:rPr lang="en-US" dirty="0">
-                <a:solidFill>
-                  <a:srgbClr val="808080"/>
-                </a:solidFill>
-                <a:latin typeface="Consolas" panose="020B0609020204030204" pitchFamily="49" charset="0"/>
-              </a:rPr>
-              <a:t>EXISTS</a:t>
-            </a:r>
-            <a:r>
-              <a:rPr lang="en-US" dirty="0">
-                <a:solidFill>
-                  <a:srgbClr val="000000"/>
-                </a:solidFill>
-                <a:latin typeface="Consolas" panose="020B0609020204030204" pitchFamily="49" charset="0"/>
-              </a:rPr>
-              <a:t> ##</a:t>
-            </a:r>
-            <a:r>
-              <a:rPr lang="en-US" dirty="0" err="1">
-                <a:solidFill>
-                  <a:srgbClr val="000000"/>
-                </a:solidFill>
-                <a:latin typeface="Consolas" panose="020B0609020204030204" pitchFamily="49" charset="0"/>
-              </a:rPr>
-              <a:t>GlobalTable</a:t>
-            </a:r>
-            <a:r>
-              <a:rPr lang="en-US" dirty="0">
-                <a:solidFill>
-                  <a:srgbClr val="808080"/>
-                </a:solidFill>
-                <a:latin typeface="Consolas" panose="020B0609020204030204" pitchFamily="49" charset="0"/>
-              </a:rPr>
-              <a:t>;</a:t>
-            </a:r>
-          </a:p>
-          <a:p>
-            <a:endParaRPr lang="en-US" dirty="0">
-              <a:solidFill>
-                <a:srgbClr val="0000FF"/>
-              </a:solidFill>
-              <a:latin typeface="Consolas" panose="020B0609020204030204" pitchFamily="49" charset="0"/>
-            </a:endParaRPr>
-          </a:p>
-          <a:p>
-            <a:r>
-              <a:rPr lang="en-US" dirty="0">
-                <a:solidFill>
-                  <a:srgbClr val="0000FF"/>
-                </a:solidFill>
-                <a:latin typeface="Consolas" panose="020B0609020204030204" pitchFamily="49" charset="0"/>
-              </a:rPr>
-              <a:t>CREATE</a:t>
-            </a:r>
-            <a:r>
-              <a:rPr lang="en-US" dirty="0">
-                <a:solidFill>
-                  <a:srgbClr val="000000"/>
-                </a:solidFill>
-                <a:latin typeface="Consolas" panose="020B0609020204030204" pitchFamily="49" charset="0"/>
-              </a:rPr>
-              <a:t> </a:t>
-            </a:r>
-            <a:r>
-              <a:rPr lang="en-US" dirty="0">
-                <a:solidFill>
-                  <a:srgbClr val="0000FF"/>
-                </a:solidFill>
-                <a:latin typeface="Consolas" panose="020B0609020204030204" pitchFamily="49" charset="0"/>
-              </a:rPr>
-              <a:t>TABLE</a:t>
-            </a:r>
-            <a:r>
-              <a:rPr lang="en-US" dirty="0">
-                <a:solidFill>
-                  <a:srgbClr val="000000"/>
-                </a:solidFill>
-                <a:latin typeface="Consolas" panose="020B0609020204030204" pitchFamily="49" charset="0"/>
-              </a:rPr>
-              <a:t> ##</a:t>
-            </a:r>
-            <a:r>
-              <a:rPr lang="en-US" dirty="0" err="1">
-                <a:solidFill>
-                  <a:srgbClr val="000000"/>
-                </a:solidFill>
-                <a:latin typeface="Consolas" panose="020B0609020204030204" pitchFamily="49" charset="0"/>
-              </a:rPr>
-              <a:t>GlobalTable</a:t>
-            </a:r>
-            <a:endParaRPr lang="en-US" dirty="0">
-              <a:solidFill>
-                <a:srgbClr val="000000"/>
-              </a:solidFill>
-              <a:latin typeface="Consolas" panose="020B0609020204030204" pitchFamily="49" charset="0"/>
-            </a:endParaRPr>
-          </a:p>
-          <a:p>
-            <a:r>
-              <a:rPr lang="en-US" dirty="0">
-                <a:solidFill>
-                  <a:srgbClr val="808080"/>
-                </a:solidFill>
-                <a:latin typeface="Consolas" panose="020B0609020204030204" pitchFamily="49" charset="0"/>
-              </a:rPr>
-              <a:t>(</a:t>
-            </a:r>
-            <a:endParaRPr lang="en-US" dirty="0">
-              <a:solidFill>
-                <a:srgbClr val="000000"/>
-              </a:solidFill>
-              <a:latin typeface="Consolas" panose="020B0609020204030204" pitchFamily="49" charset="0"/>
-            </a:endParaRPr>
-          </a:p>
-          <a:p>
-            <a:r>
-              <a:rPr lang="en-US" dirty="0">
-                <a:solidFill>
-                  <a:srgbClr val="000000"/>
-                </a:solidFill>
-                <a:latin typeface="Consolas" panose="020B0609020204030204" pitchFamily="49" charset="0"/>
-              </a:rPr>
-              <a:t>	[Id]			</a:t>
-            </a:r>
-            <a:r>
-              <a:rPr lang="en-US" dirty="0">
-                <a:solidFill>
-                  <a:srgbClr val="0000FF"/>
-                </a:solidFill>
-                <a:latin typeface="Consolas" panose="020B0609020204030204" pitchFamily="49" charset="0"/>
-              </a:rPr>
-              <a:t>INT</a:t>
-            </a:r>
-            <a:r>
-              <a:rPr lang="en-US" dirty="0">
-                <a:solidFill>
-                  <a:srgbClr val="000000"/>
-                </a:solidFill>
-                <a:latin typeface="Consolas" panose="020B0609020204030204" pitchFamily="49" charset="0"/>
-              </a:rPr>
-              <a:t> </a:t>
-            </a:r>
-            <a:r>
-              <a:rPr lang="en-US" dirty="0">
-                <a:solidFill>
-                  <a:srgbClr val="808080"/>
-                </a:solidFill>
-                <a:latin typeface="Consolas" panose="020B0609020204030204" pitchFamily="49" charset="0"/>
-              </a:rPr>
-              <a:t>NOT</a:t>
-            </a:r>
-            <a:r>
-              <a:rPr lang="en-US" dirty="0">
-                <a:solidFill>
-                  <a:srgbClr val="000000"/>
-                </a:solidFill>
-                <a:latin typeface="Consolas" panose="020B0609020204030204" pitchFamily="49" charset="0"/>
-              </a:rPr>
-              <a:t> </a:t>
-            </a:r>
-            <a:r>
-              <a:rPr lang="en-US" dirty="0">
-                <a:solidFill>
-                  <a:srgbClr val="808080"/>
-                </a:solidFill>
-                <a:latin typeface="Consolas" panose="020B0609020204030204" pitchFamily="49" charset="0"/>
-              </a:rPr>
-              <a:t>NULL</a:t>
-            </a:r>
-            <a:endParaRPr lang="en-US" dirty="0">
-              <a:solidFill>
-                <a:srgbClr val="000000"/>
-              </a:solidFill>
-              <a:latin typeface="Consolas" panose="020B0609020204030204" pitchFamily="49" charset="0"/>
-            </a:endParaRPr>
-          </a:p>
-          <a:p>
-            <a:r>
-              <a:rPr lang="en-US" dirty="0">
-                <a:solidFill>
-                  <a:srgbClr val="0000FF"/>
-                </a:solidFill>
-                <a:latin typeface="Consolas" panose="020B0609020204030204" pitchFamily="49" charset="0"/>
-              </a:rPr>
-              <a:t>					IDENTITY</a:t>
-            </a:r>
-            <a:r>
-              <a:rPr lang="en-US" dirty="0">
-                <a:solidFill>
-                  <a:srgbClr val="808080"/>
-                </a:solidFill>
-                <a:latin typeface="Consolas" panose="020B0609020204030204" pitchFamily="49" charset="0"/>
-              </a:rPr>
-              <a:t>(</a:t>
-            </a:r>
-            <a:r>
-              <a:rPr lang="en-US" dirty="0">
-                <a:solidFill>
-                  <a:srgbClr val="000000"/>
-                </a:solidFill>
-                <a:latin typeface="Consolas" panose="020B0609020204030204" pitchFamily="49" charset="0"/>
-              </a:rPr>
-              <a:t>1</a:t>
-            </a:r>
-            <a:r>
-              <a:rPr lang="en-US" dirty="0">
-                <a:solidFill>
-                  <a:srgbClr val="808080"/>
-                </a:solidFill>
-                <a:latin typeface="Consolas" panose="020B0609020204030204" pitchFamily="49" charset="0"/>
-              </a:rPr>
-              <a:t>,</a:t>
-            </a:r>
-            <a:r>
-              <a:rPr lang="en-US" dirty="0">
-                <a:solidFill>
-                  <a:srgbClr val="000000"/>
-                </a:solidFill>
-                <a:latin typeface="Consolas" panose="020B0609020204030204" pitchFamily="49" charset="0"/>
-              </a:rPr>
-              <a:t> 1</a:t>
-            </a:r>
-            <a:r>
-              <a:rPr lang="en-US" dirty="0">
-                <a:solidFill>
-                  <a:srgbClr val="808080"/>
-                </a:solidFill>
-                <a:latin typeface="Consolas" panose="020B0609020204030204" pitchFamily="49" charset="0"/>
-              </a:rPr>
-              <a:t>)</a:t>
-            </a:r>
-            <a:endParaRPr lang="en-US" dirty="0">
-              <a:solidFill>
-                <a:srgbClr val="000000"/>
-              </a:solidFill>
-              <a:latin typeface="Consolas" panose="020B0609020204030204" pitchFamily="49" charset="0"/>
-            </a:endParaRPr>
-          </a:p>
-          <a:p>
-            <a:r>
-              <a:rPr lang="en-US" dirty="0">
-                <a:solidFill>
-                  <a:srgbClr val="0000FF"/>
-                </a:solidFill>
-                <a:latin typeface="Consolas" panose="020B0609020204030204" pitchFamily="49" charset="0"/>
-              </a:rPr>
-              <a:t>					CONSTRAINT</a:t>
-            </a:r>
-            <a:r>
-              <a:rPr lang="en-US" dirty="0">
-                <a:solidFill>
-                  <a:srgbClr val="000000"/>
-                </a:solidFill>
-                <a:latin typeface="Consolas" panose="020B0609020204030204" pitchFamily="49" charset="0"/>
-              </a:rPr>
-              <a:t> [</a:t>
-            </a:r>
-            <a:r>
-              <a:rPr lang="en-US" dirty="0" err="1">
-                <a:solidFill>
-                  <a:srgbClr val="000000"/>
-                </a:solidFill>
-                <a:latin typeface="Consolas" panose="020B0609020204030204" pitchFamily="49" charset="0"/>
-              </a:rPr>
-              <a:t>PK_temp_GlobalTable</a:t>
-            </a:r>
-            <a:r>
-              <a:rPr lang="en-US" dirty="0">
-                <a:solidFill>
-                  <a:srgbClr val="000000"/>
-                </a:solidFill>
-                <a:latin typeface="Consolas" panose="020B0609020204030204" pitchFamily="49" charset="0"/>
-              </a:rPr>
-              <a:t>] </a:t>
-            </a:r>
-            <a:r>
-              <a:rPr lang="en-US" dirty="0">
-                <a:solidFill>
-                  <a:srgbClr val="0000FF"/>
-                </a:solidFill>
-                <a:latin typeface="Consolas" panose="020B0609020204030204" pitchFamily="49" charset="0"/>
-              </a:rPr>
-              <a:t>PRIMARY</a:t>
-            </a:r>
-            <a:r>
-              <a:rPr lang="en-US" dirty="0">
-                <a:solidFill>
-                  <a:srgbClr val="000000"/>
-                </a:solidFill>
-                <a:latin typeface="Consolas" panose="020B0609020204030204" pitchFamily="49" charset="0"/>
-              </a:rPr>
-              <a:t> </a:t>
-            </a:r>
-            <a:r>
-              <a:rPr lang="en-US" dirty="0">
-                <a:solidFill>
-                  <a:srgbClr val="0000FF"/>
-                </a:solidFill>
-                <a:latin typeface="Consolas" panose="020B0609020204030204" pitchFamily="49" charset="0"/>
-              </a:rPr>
-              <a:t>KEY</a:t>
-            </a:r>
-            <a:r>
-              <a:rPr lang="en-US" dirty="0">
-                <a:solidFill>
-                  <a:srgbClr val="808080"/>
-                </a:solidFill>
-                <a:latin typeface="Consolas" panose="020B0609020204030204" pitchFamily="49" charset="0"/>
-              </a:rPr>
-              <a:t>,</a:t>
-            </a:r>
-            <a:endParaRPr lang="en-US" dirty="0">
-              <a:solidFill>
-                <a:srgbClr val="000000"/>
-              </a:solidFill>
-              <a:latin typeface="Consolas" panose="020B0609020204030204" pitchFamily="49" charset="0"/>
-            </a:endParaRPr>
-          </a:p>
-          <a:p>
-            <a:r>
-              <a:rPr lang="en-US" dirty="0">
-                <a:solidFill>
-                  <a:srgbClr val="000000"/>
-                </a:solidFill>
-                <a:latin typeface="Consolas" panose="020B0609020204030204" pitchFamily="49" charset="0"/>
-              </a:rPr>
-              <a:t>	[</a:t>
-            </a:r>
-            <a:r>
-              <a:rPr lang="en-US" dirty="0" err="1">
-                <a:solidFill>
-                  <a:srgbClr val="000000"/>
-                </a:solidFill>
-                <a:latin typeface="Consolas" panose="020B0609020204030204" pitchFamily="49" charset="0"/>
-              </a:rPr>
-              <a:t>SomeString</a:t>
-            </a:r>
-            <a:r>
-              <a:rPr lang="en-US" dirty="0">
-                <a:solidFill>
-                  <a:srgbClr val="000000"/>
-                </a:solidFill>
-                <a:latin typeface="Consolas" panose="020B0609020204030204" pitchFamily="49" charset="0"/>
-              </a:rPr>
-              <a:t>]	</a:t>
-            </a:r>
-            <a:r>
-              <a:rPr lang="en-US" dirty="0">
-                <a:solidFill>
-                  <a:srgbClr val="0000FF"/>
-                </a:solidFill>
-                <a:latin typeface="Consolas" panose="020B0609020204030204" pitchFamily="49" charset="0"/>
-              </a:rPr>
-              <a:t>NVARCHAR</a:t>
-            </a:r>
-            <a:r>
-              <a:rPr lang="en-US" dirty="0">
-                <a:solidFill>
-                  <a:srgbClr val="808080"/>
-                </a:solidFill>
-                <a:latin typeface="Consolas" panose="020B0609020204030204" pitchFamily="49" charset="0"/>
-              </a:rPr>
-              <a:t>(</a:t>
-            </a:r>
-            <a:r>
-              <a:rPr lang="en-US" dirty="0">
-                <a:solidFill>
-                  <a:srgbClr val="000000"/>
-                </a:solidFill>
-                <a:latin typeface="Consolas" panose="020B0609020204030204" pitchFamily="49" charset="0"/>
-              </a:rPr>
-              <a:t>255</a:t>
-            </a:r>
-            <a:r>
-              <a:rPr lang="en-US" dirty="0">
-                <a:solidFill>
-                  <a:srgbClr val="808080"/>
-                </a:solidFill>
-                <a:latin typeface="Consolas" panose="020B0609020204030204" pitchFamily="49" charset="0"/>
-              </a:rPr>
-              <a:t>)</a:t>
-            </a:r>
-            <a:r>
-              <a:rPr lang="en-US" dirty="0">
-                <a:solidFill>
-                  <a:srgbClr val="000000"/>
-                </a:solidFill>
-                <a:latin typeface="Consolas" panose="020B0609020204030204" pitchFamily="49" charset="0"/>
-              </a:rPr>
-              <a:t> </a:t>
-            </a:r>
-            <a:r>
-              <a:rPr lang="en-US" dirty="0">
-                <a:solidFill>
-                  <a:srgbClr val="FF00FF"/>
-                </a:solidFill>
-                <a:latin typeface="Consolas" panose="020B0609020204030204" pitchFamily="49" charset="0"/>
-              </a:rPr>
-              <a:t>COLLATE</a:t>
-            </a:r>
-            <a:r>
-              <a:rPr lang="en-US" dirty="0">
-                <a:solidFill>
-                  <a:srgbClr val="000000"/>
-                </a:solidFill>
-                <a:latin typeface="Consolas" panose="020B0609020204030204" pitchFamily="49" charset="0"/>
-              </a:rPr>
-              <a:t> DATABASE_DEFAULT</a:t>
-            </a:r>
-            <a:r>
-              <a:rPr lang="en-US" dirty="0">
-                <a:solidFill>
-                  <a:srgbClr val="808080"/>
-                </a:solidFill>
-                <a:latin typeface="Consolas" panose="020B0609020204030204" pitchFamily="49" charset="0"/>
-              </a:rPr>
-              <a:t> NOT</a:t>
-            </a:r>
-            <a:r>
-              <a:rPr lang="en-US" dirty="0">
-                <a:solidFill>
-                  <a:srgbClr val="000000"/>
-                </a:solidFill>
-                <a:latin typeface="Consolas" panose="020B0609020204030204" pitchFamily="49" charset="0"/>
-              </a:rPr>
-              <a:t> </a:t>
-            </a:r>
-            <a:r>
-              <a:rPr lang="en-US" dirty="0">
-                <a:solidFill>
-                  <a:srgbClr val="808080"/>
-                </a:solidFill>
-                <a:latin typeface="Consolas" panose="020B0609020204030204" pitchFamily="49" charset="0"/>
-              </a:rPr>
-              <a:t>NULL</a:t>
-            </a:r>
-            <a:endParaRPr lang="en-US" dirty="0">
-              <a:solidFill>
-                <a:srgbClr val="000000"/>
-              </a:solidFill>
-              <a:latin typeface="Consolas" panose="020B0609020204030204" pitchFamily="49" charset="0"/>
-            </a:endParaRPr>
-          </a:p>
-          <a:p>
-            <a:r>
-              <a:rPr lang="en-US" dirty="0">
-                <a:solidFill>
-                  <a:srgbClr val="808080"/>
-                </a:solidFill>
-                <a:latin typeface="Consolas" panose="020B0609020204030204" pitchFamily="49" charset="0"/>
-              </a:rPr>
-              <a:t>);</a:t>
-            </a:r>
-            <a:endParaRPr lang="en-US" dirty="0"/>
-          </a:p>
-        </p:txBody>
-      </p:sp>
-      <p:sp>
-        <p:nvSpPr>
-          <p:cNvPr id="5" name="Title 4">
-            <a:extLst>
-              <a:ext uri="{FF2B5EF4-FFF2-40B4-BE49-F238E27FC236}">
-                <a16:creationId xmlns:a16="http://schemas.microsoft.com/office/drawing/2014/main" id="{92FD8CD3-04B4-4EAA-9A58-ED65CC4B251D}"/>
+                <a16:creationId xmlns:a16="http://schemas.microsoft.com/office/drawing/2014/main" id="{AF1302E0-F7F1-41C8-842E-EBDFD79A2629}"/>
               </a:ext>
             </a:extLst>
           </p:cNvPr>
@@ -35869,10 +35287,10 @@
       </p:sp>
       <p:sp>
         <p:nvSpPr>
-          <p:cNvPr id="7" name="Text Placeholder 6">
+          <p:cNvPr id="6" name="Text Placeholder 5">
             <a:extLst>
               <a:ext uri="{FF2B5EF4-FFF2-40B4-BE49-F238E27FC236}">
-                <a16:creationId xmlns:a16="http://schemas.microsoft.com/office/drawing/2014/main" id="{D3BB5EDD-3249-4C55-AC05-C8DBF341C730}"/>
+                <a16:creationId xmlns:a16="http://schemas.microsoft.com/office/drawing/2014/main" id="{F03276F2-947A-4CB9-9E28-A7809B6F24CB}"/>
               </a:ext>
             </a:extLst>
           </p:cNvPr>
@@ -35890,104 +35308,15 @@
           <a:p>
             <a:r>
               <a:rPr lang="en-US" dirty="0"/>
-              <a:t>Global temporary table</a:t>
-            </a:r>
-          </a:p>
-        </p:txBody>
-      </p:sp>
-      <p:sp>
-        <p:nvSpPr>
-          <p:cNvPr id="8" name="Slide Number Placeholder 7">
-            <a:extLst>
-              <a:ext uri="{FF2B5EF4-FFF2-40B4-BE49-F238E27FC236}">
-                <a16:creationId xmlns:a16="http://schemas.microsoft.com/office/drawing/2014/main" id="{FE1BEE53-EE05-4ED5-9A0D-A884BB76A836}"/>
-              </a:ext>
-            </a:extLst>
-          </p:cNvPr>
-          <p:cNvSpPr>
-            <a:spLocks noGrp="1"/>
-          </p:cNvSpPr>
-          <p:nvPr>
-            <p:ph type="sldNum" sz="quarter" idx="4"/>
-          </p:nvPr>
-        </p:nvSpPr>
-        <p:spPr/>
-        <p:txBody>
-          <a:bodyPr/>
-          <a:lstStyle/>
-          <a:p>
-            <a:pPr marL="0" marR="0" lvl="0" indent="0" algn="r" defTabSz="342900" rtl="0" eaLnBrk="1" fontAlgn="auto" latinLnBrk="0" hangingPunct="1">
-              <a:lnSpc>
-                <a:spcPct val="100000"/>
-              </a:lnSpc>
-              <a:spcBef>
-                <a:spcPts val="0"/>
-              </a:spcBef>
-              <a:spcAft>
-                <a:spcPts val="0"/>
-              </a:spcAft>
-              <a:buClrTx/>
-              <a:buSzTx/>
-              <a:buFontTx/>
-              <a:buNone/>
-              <a:tabLst/>
-              <a:defRPr/>
-            </a:pPr>
-            <a:fld id="{3A707DD9-E92B-45E8-BE0A-E6B2EDF345EB}" type="slidenum">
-              <a:rPr kumimoji="0" lang="en-US" sz="800" b="1" i="0" u="none" strike="noStrike" kern="1200" cap="none" spc="0" normalizeH="0" baseline="0" noProof="0" smtClean="0">
-                <a:ln>
-                  <a:noFill/>
-                </a:ln>
-                <a:solidFill>
-                  <a:srgbClr val="FEFEFE"/>
-                </a:solidFill>
-                <a:effectLst/>
-                <a:uLnTx/>
-                <a:uFillTx/>
-                <a:latin typeface="Calibri Light"/>
-                <a:ea typeface="+mn-ea"/>
-                <a:cs typeface="+mn-cs"/>
-              </a:rPr>
-              <a:pPr marL="0" marR="0" lvl="0" indent="0" algn="r" defTabSz="342900" rtl="0" eaLnBrk="1" fontAlgn="auto" latinLnBrk="0" hangingPunct="1">
-                <a:lnSpc>
-                  <a:spcPct val="100000"/>
-                </a:lnSpc>
-                <a:spcBef>
-                  <a:spcPts val="0"/>
-                </a:spcBef>
-                <a:spcAft>
-                  <a:spcPts val="0"/>
-                </a:spcAft>
-                <a:buClrTx/>
-                <a:buSzTx/>
-                <a:buFontTx/>
-                <a:buNone/>
-                <a:tabLst/>
-                <a:defRPr/>
-              </a:pPr>
-              <a:t>29</a:t>
-            </a:fld>
-            <a:endParaRPr kumimoji="0" lang="en-US" sz="800" b="1" i="0" u="none" strike="noStrike" kern="1200" cap="none" spc="0" normalizeH="0" baseline="0" noProof="0" dirty="0">
-              <a:ln>
-                <a:noFill/>
-              </a:ln>
-              <a:solidFill>
-                <a:srgbClr val="FEFEFE"/>
-              </a:solidFill>
-              <a:effectLst/>
-              <a:uLnTx/>
-              <a:uFillTx/>
-              <a:latin typeface="Calibri Light"/>
-              <a:ea typeface="+mn-ea"/>
-              <a:cs typeface="+mn-cs"/>
-            </a:endParaRPr>
+              <a:t>Temporary Table Types</a:t>
+            </a:r>
           </a:p>
         </p:txBody>
       </p:sp>
     </p:spTree>
     <p:extLst>
       <p:ext uri="{BB962C8B-B14F-4D97-AF65-F5344CB8AC3E}">
-        <p14:creationId xmlns:p14="http://schemas.microsoft.com/office/powerpoint/2010/main" val="4122528242"/>
+        <p14:creationId xmlns:p14="http://schemas.microsoft.com/office/powerpoint/2010/main" val="3711293505"/>
       </p:ext>
     </p:extLst>
   </p:cSld>
@@ -36729,7 +36058,7 @@
                 </a:solidFill>
                 <a:latin typeface="Consolas" panose="020B0609020204030204" pitchFamily="49" charset="0"/>
               </a:rPr>
-              <a:t> #</a:t>
+              <a:t> ##</a:t>
             </a:r>
             <a:r>
               <a:rPr lang="en-US" dirty="0" err="1">
@@ -36738,7 +36067,7 @@
                 </a:solidFill>
                 <a:latin typeface="Consolas" panose="020B0609020204030204" pitchFamily="49" charset="0"/>
               </a:rPr>
-              <a:t>LocalTable</a:t>
+              <a:t>GlobalTable</a:t>
             </a:r>
             <a:r>
               <a:rPr lang="en-US" dirty="0">
@@ -36793,7 +36122,7 @@
                 </a:solidFill>
                 <a:latin typeface="Consolas" panose="020B0609020204030204" pitchFamily="49" charset="0"/>
               </a:rPr>
-              <a:t> #</a:t>
+              <a:t> ##</a:t>
             </a:r>
             <a:r>
               <a:rPr lang="en-US" dirty="0" err="1">
@@ -36802,7 +36131,7 @@
                 </a:solidFill>
                 <a:latin typeface="Consolas" panose="020B0609020204030204" pitchFamily="49" charset="0"/>
               </a:rPr>
-              <a:t>LocalTable</a:t>
+              <a:t>GlobalTable</a:t>
             </a:r>
             <a:endParaRPr lang="en-US" dirty="0">
               <a:solidFill>
@@ -36978,7 +36307,7 @@
                 </a:solidFill>
                 <a:latin typeface="Consolas" panose="020B0609020204030204" pitchFamily="49" charset="0"/>
               </a:rPr>
-              <a:t>PK_temp_LocalTable</a:t>
+              <a:t>PK_temp_GlobalTable</a:t>
             </a:r>
             <a:r>
               <a:rPr lang="en-US" dirty="0">
@@ -37176,7 +36505,7 @@
           <p:cNvPr id="5" name="Title 4">
             <a:extLst>
               <a:ext uri="{FF2B5EF4-FFF2-40B4-BE49-F238E27FC236}">
-                <a16:creationId xmlns:a16="http://schemas.microsoft.com/office/drawing/2014/main" id="{219220AB-2447-4851-AC20-0B15E90B1F7E}"/>
+                <a16:creationId xmlns:a16="http://schemas.microsoft.com/office/drawing/2014/main" id="{92FD8CD3-04B4-4EAA-9A58-ED65CC4B251D}"/>
               </a:ext>
             </a:extLst>
           </p:cNvPr>
@@ -37204,7 +36533,7 @@
           <p:cNvPr id="7" name="Text Placeholder 6">
             <a:extLst>
               <a:ext uri="{FF2B5EF4-FFF2-40B4-BE49-F238E27FC236}">
-                <a16:creationId xmlns:a16="http://schemas.microsoft.com/office/drawing/2014/main" id="{666D2F84-FBFC-47B0-B88D-9F541BF7836D}"/>
+                <a16:creationId xmlns:a16="http://schemas.microsoft.com/office/drawing/2014/main" id="{D3BB5EDD-3249-4C55-AC05-C8DBF341C730}"/>
               </a:ext>
             </a:extLst>
           </p:cNvPr>
@@ -37222,7 +36551,7 @@
           <a:p>
             <a:r>
               <a:rPr lang="en-US" dirty="0"/>
-              <a:t>Local temporary table</a:t>
+              <a:t>Global temporary table</a:t>
             </a:r>
           </a:p>
         </p:txBody>
@@ -37232,7 +36561,7 @@
           <p:cNvPr id="8" name="Slide Number Placeholder 7">
             <a:extLst>
               <a:ext uri="{FF2B5EF4-FFF2-40B4-BE49-F238E27FC236}">
-                <a16:creationId xmlns:a16="http://schemas.microsoft.com/office/drawing/2014/main" id="{A1D002A1-85C0-4502-B257-D2AD754F9FD0}"/>
+                <a16:creationId xmlns:a16="http://schemas.microsoft.com/office/drawing/2014/main" id="{FE1BEE53-EE05-4ED5-9A0D-A884BB76A836}"/>
               </a:ext>
             </a:extLst>
           </p:cNvPr>
@@ -37319,7 +36648,7 @@
     </p:spTree>
     <p:extLst>
       <p:ext uri="{BB962C8B-B14F-4D97-AF65-F5344CB8AC3E}">
-        <p14:creationId xmlns:p14="http://schemas.microsoft.com/office/powerpoint/2010/main" val="4061206139"/>
+        <p14:creationId xmlns:p14="http://schemas.microsoft.com/office/powerpoint/2010/main" val="4122528242"/>
       </p:ext>
     </p:extLst>
   </p:cSld>
@@ -37525,10 +36854,10 @@
       </p:sp>
       <p:sp>
         <p:nvSpPr>
-          <p:cNvPr id="3" name="Rectangle 2">
+          <p:cNvPr id="2" name="Rectangle 1">
             <a:extLst>
               <a:ext uri="{FF2B5EF4-FFF2-40B4-BE49-F238E27FC236}">
-                <a16:creationId xmlns:a16="http://schemas.microsoft.com/office/drawing/2014/main" id="{157A7528-E05D-4344-A9B6-CFA94EB8F0B3}"/>
+                <a16:creationId xmlns:a16="http://schemas.microsoft.com/office/drawing/2014/main" id="{A6423DCB-1870-4A3B-985A-3EBAA606219E}"/>
               </a:ext>
             </a:extLst>
           </p:cNvPr>
@@ -37537,15 +36866,15 @@
         </p:nvSpPr>
         <p:spPr>
           <a:xfrm>
-            <a:off x="501589" y="1620610"/>
-            <a:ext cx="4572000" cy="1600438"/>
+            <a:off x="537098" y="1546181"/>
+            <a:ext cx="6778101" cy="2031325"/>
           </a:xfrm>
           <a:prstGeom prst="rect">
             <a:avLst/>
           </a:prstGeom>
         </p:spPr>
         <p:txBody>
-          <a:bodyPr>
+          <a:bodyPr wrap="square">
             <a:spAutoFit/>
           </a:bodyPr>
           <a:lstStyle/>
@@ -37557,7 +36886,7 @@
                 </a:solidFill>
                 <a:latin typeface="Consolas" panose="020B0609020204030204" pitchFamily="49" charset="0"/>
               </a:rPr>
-              <a:t>DECLARE</a:t>
+              <a:t>DROP</a:t>
             </a:r>
             <a:r>
               <a:rPr lang="en-US" dirty="0">
@@ -37566,7 +36895,61 @@
                 </a:solidFill>
                 <a:latin typeface="Consolas" panose="020B0609020204030204" pitchFamily="49" charset="0"/>
               </a:rPr>
-              <a:t> @</a:t>
+              <a:t> </a:t>
+            </a:r>
+            <a:r>
+              <a:rPr lang="en-US" dirty="0">
+                <a:solidFill>
+                  <a:srgbClr val="0000FF"/>
+                </a:solidFill>
+                <a:latin typeface="Consolas" panose="020B0609020204030204" pitchFamily="49" charset="0"/>
+              </a:rPr>
+              <a:t>TABLE</a:t>
+            </a:r>
+            <a:r>
+              <a:rPr lang="en-US" dirty="0">
+                <a:solidFill>
+                  <a:srgbClr val="000000"/>
+                </a:solidFill>
+                <a:latin typeface="Consolas" panose="020B0609020204030204" pitchFamily="49" charset="0"/>
+              </a:rPr>
+              <a:t> </a:t>
+            </a:r>
+            <a:r>
+              <a:rPr lang="en-US" dirty="0">
+                <a:solidFill>
+                  <a:srgbClr val="0000FF"/>
+                </a:solidFill>
+                <a:latin typeface="Consolas" panose="020B0609020204030204" pitchFamily="49" charset="0"/>
+              </a:rPr>
+              <a:t>IF</a:t>
+            </a:r>
+            <a:r>
+              <a:rPr lang="en-US" dirty="0">
+                <a:solidFill>
+                  <a:srgbClr val="000000"/>
+                </a:solidFill>
+                <a:latin typeface="Consolas" panose="020B0609020204030204" pitchFamily="49" charset="0"/>
+              </a:rPr>
+              <a:t> </a:t>
+            </a:r>
+            <a:r>
+              <a:rPr lang="en-US" dirty="0">
+                <a:solidFill>
+                  <a:srgbClr val="808080"/>
+                </a:solidFill>
+                <a:latin typeface="Consolas" panose="020B0609020204030204" pitchFamily="49" charset="0"/>
+              </a:rPr>
+              <a:t>EXISTS</a:t>
+            </a:r>
+            <a:r>
+              <a:rPr lang="en-US" dirty="0">
+                <a:solidFill>
+                  <a:srgbClr val="000000"/>
+                </a:solidFill>
+                <a:latin typeface="Consolas" panose="020B0609020204030204" pitchFamily="49" charset="0"/>
+              </a:rPr>
+              <a:t> #</a:t>
             </a:r>
             <a:r>
               <a:rPr lang="en-US" dirty="0" err="1">
@@ -37575,11 +36958,39 @@
                 </a:solidFill>
                 <a:latin typeface="Consolas" panose="020B0609020204030204" pitchFamily="49" charset="0"/>
               </a:rPr>
-              <a:t>TalbeVar</a:t>
+              <a:t>LocalTable</a:t>
             </a:r>
             <a:r>
               <a:rPr lang="en-US" dirty="0">
                 <a:solidFill>
+                  <a:srgbClr val="808080"/>
+                </a:solidFill>
+                <a:latin typeface="Consolas" panose="020B0609020204030204" pitchFamily="49" charset="0"/>
+              </a:rPr>
+              <a:t>;</a:t>
+            </a:r>
+          </a:p>
+          <a:p>
+            <a:endParaRPr lang="en-US" dirty="0">
+              <a:solidFill>
+                <a:srgbClr val="0000FF"/>
+              </a:solidFill>
+              <a:latin typeface="Consolas" panose="020B0609020204030204" pitchFamily="49" charset="0"/>
+            </a:endParaRPr>
+          </a:p>
+          <a:p>
+            <a:r>
+              <a:rPr lang="en-US" dirty="0">
+                <a:solidFill>
+                  <a:srgbClr val="0000FF"/>
+                </a:solidFill>
+                <a:latin typeface="Consolas" panose="020B0609020204030204" pitchFamily="49" charset="0"/>
+              </a:rPr>
+              <a:t>CREATE</a:t>
+            </a:r>
+            <a:r>
+              <a:rPr lang="en-US" dirty="0">
+                <a:solidFill>
                   <a:srgbClr val="000000"/>
                 </a:solidFill>
                 <a:latin typeface="Consolas" panose="020B0609020204030204" pitchFamily="49" charset="0"/>
@@ -37594,6 +37005,24 @@
                 <a:latin typeface="Consolas" panose="020B0609020204030204" pitchFamily="49" charset="0"/>
               </a:rPr>
               <a:t>TABLE</a:t>
+            </a:r>
+            <a:r>
+              <a:rPr lang="en-US" dirty="0">
+                <a:solidFill>
+                  <a:srgbClr val="000000"/>
+                </a:solidFill>
+                <a:latin typeface="Consolas" panose="020B0609020204030204" pitchFamily="49" charset="0"/>
+              </a:rPr>
+              <a:t> #</a:t>
+            </a:r>
+            <a:r>
+              <a:rPr lang="en-US" dirty="0" err="1">
+                <a:solidFill>
+                  <a:srgbClr val="000000"/>
+                </a:solidFill>
+                <a:latin typeface="Consolas" panose="020B0609020204030204" pitchFamily="49" charset="0"/>
+              </a:rPr>
+              <a:t>LocalTable</a:t>
             </a:r>
             <a:endParaRPr lang="en-US" dirty="0">
               <a:solidFill>
@@ -37751,7 +37180,43 @@
                 </a:solidFill>
                 <a:latin typeface="Consolas" panose="020B0609020204030204" pitchFamily="49" charset="0"/>
               </a:rPr>
-              <a:t>					PRIMARY</a:t>
+              <a:t>					CONSTRAINT</a:t>
+            </a:r>
+            <a:r>
+              <a:rPr lang="en-US" dirty="0">
+                <a:solidFill>
+                  <a:srgbClr val="000000"/>
+                </a:solidFill>
+                <a:latin typeface="Consolas" panose="020B0609020204030204" pitchFamily="49" charset="0"/>
+              </a:rPr>
+              <a:t> [</a:t>
+            </a:r>
+            <a:r>
+              <a:rPr lang="en-US" dirty="0" err="1">
+                <a:solidFill>
+                  <a:srgbClr val="000000"/>
+                </a:solidFill>
+                <a:latin typeface="Consolas" panose="020B0609020204030204" pitchFamily="49" charset="0"/>
+              </a:rPr>
+              <a:t>PK_temp_LocalTable</a:t>
+            </a:r>
+            <a:r>
+              <a:rPr lang="en-US" dirty="0">
+                <a:solidFill>
+                  <a:srgbClr val="000000"/>
+                </a:solidFill>
+                <a:latin typeface="Consolas" panose="020B0609020204030204" pitchFamily="49" charset="0"/>
+              </a:rPr>
+              <a:t>] </a:t>
+            </a:r>
+            <a:r>
+              <a:rPr lang="en-US" dirty="0">
+                <a:solidFill>
+                  <a:srgbClr val="0000FF"/>
+                </a:solidFill>
+                <a:latin typeface="Consolas" panose="020B0609020204030204" pitchFamily="49" charset="0"/>
+              </a:rPr>
+              <a:t>PRIMARY</a:t>
             </a:r>
             <a:r>
               <a:rPr lang="en-US" dirty="0">
@@ -37863,11 +37328,29 @@
             <a:r>
               <a:rPr lang="en-US" dirty="0">
                 <a:solidFill>
+                  <a:srgbClr val="FF00FF"/>
+                </a:solidFill>
+                <a:latin typeface="Consolas" panose="020B0609020204030204" pitchFamily="49" charset="0"/>
+              </a:rPr>
+              <a:t>COLLATE</a:t>
+            </a:r>
+            <a:r>
+              <a:rPr lang="en-US" dirty="0">
+                <a:solidFill>
+                  <a:srgbClr val="000000"/>
+                </a:solidFill>
+                <a:latin typeface="Consolas" panose="020B0609020204030204" pitchFamily="49" charset="0"/>
+              </a:rPr>
+              <a:t> DATABASE_DEFAULT</a:t>
+            </a:r>
+            <a:r>
+              <a:rPr lang="en-US" dirty="0">
+                <a:solidFill>
                   <a:srgbClr val="808080"/>
                 </a:solidFill>
                 <a:latin typeface="Consolas" panose="020B0609020204030204" pitchFamily="49" charset="0"/>
               </a:rPr>
-              <a:t>NOT</a:t>
+              <a:t> NOT</a:t>
             </a:r>
             <a:r>
               <a:rPr lang="en-US" dirty="0">
@@ -37913,7 +37396,7 @@
           <p:cNvPr id="5" name="Title 4">
             <a:extLst>
               <a:ext uri="{FF2B5EF4-FFF2-40B4-BE49-F238E27FC236}">
-                <a16:creationId xmlns:a16="http://schemas.microsoft.com/office/drawing/2014/main" id="{6C25BC0B-44DC-43C8-B697-543B80ECF059}"/>
+                <a16:creationId xmlns:a16="http://schemas.microsoft.com/office/drawing/2014/main" id="{219220AB-2447-4851-AC20-0B15E90B1F7E}"/>
               </a:ext>
             </a:extLst>
           </p:cNvPr>
@@ -37941,7 +37424,7 @@
           <p:cNvPr id="7" name="Text Placeholder 6">
             <a:extLst>
               <a:ext uri="{FF2B5EF4-FFF2-40B4-BE49-F238E27FC236}">
-                <a16:creationId xmlns:a16="http://schemas.microsoft.com/office/drawing/2014/main" id="{35D0E83F-45FC-4611-88AF-5065E9555691}"/>
+                <a16:creationId xmlns:a16="http://schemas.microsoft.com/office/drawing/2014/main" id="{666D2F84-FBFC-47B0-B88D-9F541BF7836D}"/>
               </a:ext>
             </a:extLst>
           </p:cNvPr>
@@ -37959,7 +37442,7 @@
           <a:p>
             <a:r>
               <a:rPr lang="en-US" dirty="0"/>
-              <a:t>Table variable</a:t>
+              <a:t>Local temporary table</a:t>
             </a:r>
           </a:p>
         </p:txBody>
@@ -37969,7 +37452,7 @@
           <p:cNvPr id="8" name="Slide Number Placeholder 7">
             <a:extLst>
               <a:ext uri="{FF2B5EF4-FFF2-40B4-BE49-F238E27FC236}">
-                <a16:creationId xmlns:a16="http://schemas.microsoft.com/office/drawing/2014/main" id="{78789819-D696-48B9-A794-F3B2C5474CF6}"/>
+                <a16:creationId xmlns:a16="http://schemas.microsoft.com/office/drawing/2014/main" id="{A1D002A1-85C0-4502-B257-D2AD754F9FD0}"/>
               </a:ext>
             </a:extLst>
           </p:cNvPr>
@@ -38056,7 +37539,7 @@
     </p:spTree>
     <p:extLst>
       <p:ext uri="{BB962C8B-B14F-4D97-AF65-F5344CB8AC3E}">
-        <p14:creationId xmlns:p14="http://schemas.microsoft.com/office/powerpoint/2010/main" val="842028714"/>
+        <p14:creationId xmlns:p14="http://schemas.microsoft.com/office/powerpoint/2010/main" val="4061206139"/>
       </p:ext>
     </p:extLst>
   </p:cSld>
@@ -38260,6 +37743,743 @@
           </a:p>
         </p:txBody>
       </p:sp>
+      <p:sp>
+        <p:nvSpPr>
+          <p:cNvPr id="3" name="Rectangle 2">
+            <a:extLst>
+              <a:ext uri="{FF2B5EF4-FFF2-40B4-BE49-F238E27FC236}">
+                <a16:creationId xmlns:a16="http://schemas.microsoft.com/office/drawing/2014/main" id="{157A7528-E05D-4344-A9B6-CFA94EB8F0B3}"/>
+              </a:ext>
+            </a:extLst>
+          </p:cNvPr>
+          <p:cNvSpPr/>
+          <p:nvPr/>
+        </p:nvSpPr>
+        <p:spPr>
+          <a:xfrm>
+            <a:off x="501589" y="1620610"/>
+            <a:ext cx="4572000" cy="1600438"/>
+          </a:xfrm>
+          <a:prstGeom prst="rect">
+            <a:avLst/>
+          </a:prstGeom>
+        </p:spPr>
+        <p:txBody>
+          <a:bodyPr>
+            <a:spAutoFit/>
+          </a:bodyPr>
+          <a:lstStyle/>
+          <a:p>
+            <a:r>
+              <a:rPr lang="en-US" dirty="0">
+                <a:solidFill>
+                  <a:srgbClr val="0000FF"/>
+                </a:solidFill>
+                <a:latin typeface="Consolas" panose="020B0609020204030204" pitchFamily="49" charset="0"/>
+              </a:rPr>
+              <a:t>DECLARE</a:t>
+            </a:r>
+            <a:r>
+              <a:rPr lang="en-US" dirty="0">
+                <a:solidFill>
+                  <a:srgbClr val="000000"/>
+                </a:solidFill>
+                <a:latin typeface="Consolas" panose="020B0609020204030204" pitchFamily="49" charset="0"/>
+              </a:rPr>
+              <a:t> @</a:t>
+            </a:r>
+            <a:r>
+              <a:rPr lang="en-US" dirty="0" err="1">
+                <a:solidFill>
+                  <a:srgbClr val="000000"/>
+                </a:solidFill>
+                <a:latin typeface="Consolas" panose="020B0609020204030204" pitchFamily="49" charset="0"/>
+              </a:rPr>
+              <a:t>TalbeVar</a:t>
+            </a:r>
+            <a:r>
+              <a:rPr lang="en-US" dirty="0">
+                <a:solidFill>
+                  <a:srgbClr val="000000"/>
+                </a:solidFill>
+                <a:latin typeface="Consolas" panose="020B0609020204030204" pitchFamily="49" charset="0"/>
+              </a:rPr>
+              <a:t> </a:t>
+            </a:r>
+            <a:r>
+              <a:rPr lang="en-US" dirty="0">
+                <a:solidFill>
+                  <a:srgbClr val="0000FF"/>
+                </a:solidFill>
+                <a:latin typeface="Consolas" panose="020B0609020204030204" pitchFamily="49" charset="0"/>
+              </a:rPr>
+              <a:t>TABLE</a:t>
+            </a:r>
+            <a:endParaRPr lang="en-US" dirty="0">
+              <a:solidFill>
+                <a:srgbClr val="000000"/>
+              </a:solidFill>
+              <a:latin typeface="Consolas" panose="020B0609020204030204" pitchFamily="49" charset="0"/>
+            </a:endParaRPr>
+          </a:p>
+          <a:p>
+            <a:r>
+              <a:rPr lang="en-US" dirty="0">
+                <a:solidFill>
+                  <a:srgbClr val="808080"/>
+                </a:solidFill>
+                <a:latin typeface="Consolas" panose="020B0609020204030204" pitchFamily="49" charset="0"/>
+              </a:rPr>
+              <a:t>(</a:t>
+            </a:r>
+            <a:endParaRPr lang="en-US" dirty="0">
+              <a:solidFill>
+                <a:srgbClr val="000000"/>
+              </a:solidFill>
+              <a:latin typeface="Consolas" panose="020B0609020204030204" pitchFamily="49" charset="0"/>
+            </a:endParaRPr>
+          </a:p>
+          <a:p>
+            <a:r>
+              <a:rPr lang="en-US" dirty="0">
+                <a:solidFill>
+                  <a:srgbClr val="000000"/>
+                </a:solidFill>
+                <a:latin typeface="Consolas" panose="020B0609020204030204" pitchFamily="49" charset="0"/>
+              </a:rPr>
+              <a:t>	[Id]			</a:t>
+            </a:r>
+            <a:r>
+              <a:rPr lang="en-US" dirty="0">
+                <a:solidFill>
+                  <a:srgbClr val="0000FF"/>
+                </a:solidFill>
+                <a:latin typeface="Consolas" panose="020B0609020204030204" pitchFamily="49" charset="0"/>
+              </a:rPr>
+              <a:t>INT</a:t>
+            </a:r>
+            <a:r>
+              <a:rPr lang="en-US" dirty="0">
+                <a:solidFill>
+                  <a:srgbClr val="000000"/>
+                </a:solidFill>
+                <a:latin typeface="Consolas" panose="020B0609020204030204" pitchFamily="49" charset="0"/>
+              </a:rPr>
+              <a:t> </a:t>
+            </a:r>
+            <a:r>
+              <a:rPr lang="en-US" dirty="0">
+                <a:solidFill>
+                  <a:srgbClr val="808080"/>
+                </a:solidFill>
+                <a:latin typeface="Consolas" panose="020B0609020204030204" pitchFamily="49" charset="0"/>
+              </a:rPr>
+              <a:t>NOT</a:t>
+            </a:r>
+            <a:r>
+              <a:rPr lang="en-US" dirty="0">
+                <a:solidFill>
+                  <a:srgbClr val="000000"/>
+                </a:solidFill>
+                <a:latin typeface="Consolas" panose="020B0609020204030204" pitchFamily="49" charset="0"/>
+              </a:rPr>
+              <a:t> </a:t>
+            </a:r>
+            <a:r>
+              <a:rPr lang="en-US" dirty="0">
+                <a:solidFill>
+                  <a:srgbClr val="808080"/>
+                </a:solidFill>
+                <a:latin typeface="Consolas" panose="020B0609020204030204" pitchFamily="49" charset="0"/>
+              </a:rPr>
+              <a:t>NULL</a:t>
+            </a:r>
+            <a:endParaRPr lang="en-US" dirty="0">
+              <a:solidFill>
+                <a:srgbClr val="000000"/>
+              </a:solidFill>
+              <a:latin typeface="Consolas" panose="020B0609020204030204" pitchFamily="49" charset="0"/>
+            </a:endParaRPr>
+          </a:p>
+          <a:p>
+            <a:r>
+              <a:rPr lang="en-US" dirty="0">
+                <a:solidFill>
+                  <a:srgbClr val="0000FF"/>
+                </a:solidFill>
+                <a:latin typeface="Consolas" panose="020B0609020204030204" pitchFamily="49" charset="0"/>
+              </a:rPr>
+              <a:t>					IDENTITY</a:t>
+            </a:r>
+            <a:r>
+              <a:rPr lang="en-US" dirty="0">
+                <a:solidFill>
+                  <a:srgbClr val="808080"/>
+                </a:solidFill>
+                <a:latin typeface="Consolas" panose="020B0609020204030204" pitchFamily="49" charset="0"/>
+              </a:rPr>
+              <a:t>(</a:t>
+            </a:r>
+            <a:r>
+              <a:rPr lang="en-US" dirty="0">
+                <a:solidFill>
+                  <a:srgbClr val="000000"/>
+                </a:solidFill>
+                <a:latin typeface="Consolas" panose="020B0609020204030204" pitchFamily="49" charset="0"/>
+              </a:rPr>
+              <a:t>1</a:t>
+            </a:r>
+            <a:r>
+              <a:rPr lang="en-US" dirty="0">
+                <a:solidFill>
+                  <a:srgbClr val="808080"/>
+                </a:solidFill>
+                <a:latin typeface="Consolas" panose="020B0609020204030204" pitchFamily="49" charset="0"/>
+              </a:rPr>
+              <a:t>,</a:t>
+            </a:r>
+            <a:r>
+              <a:rPr lang="en-US" dirty="0">
+                <a:solidFill>
+                  <a:srgbClr val="000000"/>
+                </a:solidFill>
+                <a:latin typeface="Consolas" panose="020B0609020204030204" pitchFamily="49" charset="0"/>
+              </a:rPr>
+              <a:t> 1</a:t>
+            </a:r>
+            <a:r>
+              <a:rPr lang="en-US" dirty="0">
+                <a:solidFill>
+                  <a:srgbClr val="808080"/>
+                </a:solidFill>
+                <a:latin typeface="Consolas" panose="020B0609020204030204" pitchFamily="49" charset="0"/>
+              </a:rPr>
+              <a:t>)</a:t>
+            </a:r>
+            <a:endParaRPr lang="en-US" dirty="0">
+              <a:solidFill>
+                <a:srgbClr val="000000"/>
+              </a:solidFill>
+              <a:latin typeface="Consolas" panose="020B0609020204030204" pitchFamily="49" charset="0"/>
+            </a:endParaRPr>
+          </a:p>
+          <a:p>
+            <a:r>
+              <a:rPr lang="en-US" dirty="0">
+                <a:solidFill>
+                  <a:srgbClr val="0000FF"/>
+                </a:solidFill>
+                <a:latin typeface="Consolas" panose="020B0609020204030204" pitchFamily="49" charset="0"/>
+              </a:rPr>
+              <a:t>					PRIMARY</a:t>
+            </a:r>
+            <a:r>
+              <a:rPr lang="en-US" dirty="0">
+                <a:solidFill>
+                  <a:srgbClr val="000000"/>
+                </a:solidFill>
+                <a:latin typeface="Consolas" panose="020B0609020204030204" pitchFamily="49" charset="0"/>
+              </a:rPr>
+              <a:t> </a:t>
+            </a:r>
+            <a:r>
+              <a:rPr lang="en-US" dirty="0">
+                <a:solidFill>
+                  <a:srgbClr val="0000FF"/>
+                </a:solidFill>
+                <a:latin typeface="Consolas" panose="020B0609020204030204" pitchFamily="49" charset="0"/>
+              </a:rPr>
+              <a:t>KEY</a:t>
+            </a:r>
+            <a:r>
+              <a:rPr lang="en-US" dirty="0">
+                <a:solidFill>
+                  <a:srgbClr val="808080"/>
+                </a:solidFill>
+                <a:latin typeface="Consolas" panose="020B0609020204030204" pitchFamily="49" charset="0"/>
+              </a:rPr>
+              <a:t>,</a:t>
+            </a:r>
+            <a:endParaRPr lang="en-US" dirty="0">
+              <a:solidFill>
+                <a:srgbClr val="000000"/>
+              </a:solidFill>
+              <a:latin typeface="Consolas" panose="020B0609020204030204" pitchFamily="49" charset="0"/>
+            </a:endParaRPr>
+          </a:p>
+          <a:p>
+            <a:r>
+              <a:rPr lang="en-US" dirty="0">
+                <a:solidFill>
+                  <a:srgbClr val="000000"/>
+                </a:solidFill>
+                <a:latin typeface="Consolas" panose="020B0609020204030204" pitchFamily="49" charset="0"/>
+              </a:rPr>
+              <a:t>	[</a:t>
+            </a:r>
+            <a:r>
+              <a:rPr lang="en-US" dirty="0" err="1">
+                <a:solidFill>
+                  <a:srgbClr val="000000"/>
+                </a:solidFill>
+                <a:latin typeface="Consolas" panose="020B0609020204030204" pitchFamily="49" charset="0"/>
+              </a:rPr>
+              <a:t>SomeString</a:t>
+            </a:r>
+            <a:r>
+              <a:rPr lang="en-US" dirty="0">
+                <a:solidFill>
+                  <a:srgbClr val="000000"/>
+                </a:solidFill>
+                <a:latin typeface="Consolas" panose="020B0609020204030204" pitchFamily="49" charset="0"/>
+              </a:rPr>
+              <a:t>]	</a:t>
+            </a:r>
+            <a:r>
+              <a:rPr lang="en-US" dirty="0">
+                <a:solidFill>
+                  <a:srgbClr val="0000FF"/>
+                </a:solidFill>
+                <a:latin typeface="Consolas" panose="020B0609020204030204" pitchFamily="49" charset="0"/>
+              </a:rPr>
+              <a:t>NVARCHAR</a:t>
+            </a:r>
+            <a:r>
+              <a:rPr lang="en-US" dirty="0">
+                <a:solidFill>
+                  <a:srgbClr val="808080"/>
+                </a:solidFill>
+                <a:latin typeface="Consolas" panose="020B0609020204030204" pitchFamily="49" charset="0"/>
+              </a:rPr>
+              <a:t>(</a:t>
+            </a:r>
+            <a:r>
+              <a:rPr lang="en-US" dirty="0">
+                <a:solidFill>
+                  <a:srgbClr val="000000"/>
+                </a:solidFill>
+                <a:latin typeface="Consolas" panose="020B0609020204030204" pitchFamily="49" charset="0"/>
+              </a:rPr>
+              <a:t>255</a:t>
+            </a:r>
+            <a:r>
+              <a:rPr lang="en-US" dirty="0">
+                <a:solidFill>
+                  <a:srgbClr val="808080"/>
+                </a:solidFill>
+                <a:latin typeface="Consolas" panose="020B0609020204030204" pitchFamily="49" charset="0"/>
+              </a:rPr>
+              <a:t>)</a:t>
+            </a:r>
+            <a:r>
+              <a:rPr lang="en-US" dirty="0">
+                <a:solidFill>
+                  <a:srgbClr val="000000"/>
+                </a:solidFill>
+                <a:latin typeface="Consolas" panose="020B0609020204030204" pitchFamily="49" charset="0"/>
+              </a:rPr>
+              <a:t> </a:t>
+            </a:r>
+            <a:r>
+              <a:rPr lang="en-US" dirty="0">
+                <a:solidFill>
+                  <a:srgbClr val="808080"/>
+                </a:solidFill>
+                <a:latin typeface="Consolas" panose="020B0609020204030204" pitchFamily="49" charset="0"/>
+              </a:rPr>
+              <a:t>NOT</a:t>
+            </a:r>
+            <a:r>
+              <a:rPr lang="en-US" dirty="0">
+                <a:solidFill>
+                  <a:srgbClr val="000000"/>
+                </a:solidFill>
+                <a:latin typeface="Consolas" panose="020B0609020204030204" pitchFamily="49" charset="0"/>
+              </a:rPr>
+              <a:t> </a:t>
+            </a:r>
+            <a:r>
+              <a:rPr lang="en-US" dirty="0">
+                <a:solidFill>
+                  <a:srgbClr val="808080"/>
+                </a:solidFill>
+                <a:latin typeface="Consolas" panose="020B0609020204030204" pitchFamily="49" charset="0"/>
+              </a:rPr>
+              <a:t>NULL</a:t>
+            </a:r>
+            <a:endParaRPr lang="en-US" dirty="0">
+              <a:solidFill>
+                <a:srgbClr val="000000"/>
+              </a:solidFill>
+              <a:latin typeface="Consolas" panose="020B0609020204030204" pitchFamily="49" charset="0"/>
+            </a:endParaRPr>
+          </a:p>
+          <a:p>
+            <a:r>
+              <a:rPr lang="en-US" dirty="0">
+                <a:solidFill>
+                  <a:srgbClr val="808080"/>
+                </a:solidFill>
+                <a:latin typeface="Consolas" panose="020B0609020204030204" pitchFamily="49" charset="0"/>
+              </a:rPr>
+              <a:t>);</a:t>
+            </a:r>
+            <a:endParaRPr lang="en-US" dirty="0"/>
+          </a:p>
+        </p:txBody>
+      </p:sp>
+      <p:sp>
+        <p:nvSpPr>
+          <p:cNvPr id="5" name="Title 4">
+            <a:extLst>
+              <a:ext uri="{FF2B5EF4-FFF2-40B4-BE49-F238E27FC236}">
+                <a16:creationId xmlns:a16="http://schemas.microsoft.com/office/drawing/2014/main" id="{6C25BC0B-44DC-43C8-B697-543B80ECF059}"/>
+              </a:ext>
+            </a:extLst>
+          </p:cNvPr>
+          <p:cNvSpPr>
+            <a:spLocks noGrp="1"/>
+          </p:cNvSpPr>
+          <p:nvPr>
+            <p:ph type="title"/>
+          </p:nvPr>
+        </p:nvSpPr>
+        <p:spPr/>
+        <p:txBody>
+          <a:bodyPr/>
+          <a:lstStyle/>
+          <a:p>
+            <a:r>
+              <a:rPr lang="en-US" dirty="0"/>
+              <a:t>Understanding Temporary Tables</a:t>
+            </a:r>
+          </a:p>
+        </p:txBody>
+      </p:sp>
+      <p:sp>
+        <p:nvSpPr>
+          <p:cNvPr id="7" name="Text Placeholder 6">
+            <a:extLst>
+              <a:ext uri="{FF2B5EF4-FFF2-40B4-BE49-F238E27FC236}">
+                <a16:creationId xmlns:a16="http://schemas.microsoft.com/office/drawing/2014/main" id="{35D0E83F-45FC-4611-88AF-5065E9555691}"/>
+              </a:ext>
+            </a:extLst>
+          </p:cNvPr>
+          <p:cNvSpPr>
+            <a:spLocks noGrp="1"/>
+          </p:cNvSpPr>
+          <p:nvPr>
+            <p:ph type="body" sz="quarter" idx="11"/>
+          </p:nvPr>
+        </p:nvSpPr>
+        <p:spPr/>
+        <p:txBody>
+          <a:bodyPr/>
+          <a:lstStyle/>
+          <a:p>
+            <a:r>
+              <a:rPr lang="en-US" dirty="0"/>
+              <a:t>Table variable</a:t>
+            </a:r>
+          </a:p>
+        </p:txBody>
+      </p:sp>
+      <p:sp>
+        <p:nvSpPr>
+          <p:cNvPr id="8" name="Slide Number Placeholder 7">
+            <a:extLst>
+              <a:ext uri="{FF2B5EF4-FFF2-40B4-BE49-F238E27FC236}">
+                <a16:creationId xmlns:a16="http://schemas.microsoft.com/office/drawing/2014/main" id="{78789819-D696-48B9-A794-F3B2C5474CF6}"/>
+              </a:ext>
+            </a:extLst>
+          </p:cNvPr>
+          <p:cNvSpPr>
+            <a:spLocks noGrp="1"/>
+          </p:cNvSpPr>
+          <p:nvPr>
+            <p:ph type="sldNum" sz="quarter" idx="4"/>
+          </p:nvPr>
+        </p:nvSpPr>
+        <p:spPr/>
+        <p:txBody>
+          <a:bodyPr/>
+          <a:lstStyle/>
+          <a:p>
+            <a:pPr marL="0" marR="0" lvl="0" indent="0" algn="r" defTabSz="342900" rtl="0" eaLnBrk="1" fontAlgn="auto" latinLnBrk="0" hangingPunct="1">
+              <a:lnSpc>
+                <a:spcPct val="100000"/>
+              </a:lnSpc>
+              <a:spcBef>
+                <a:spcPts val="0"/>
+              </a:spcBef>
+              <a:spcAft>
+                <a:spcPts val="0"/>
+              </a:spcAft>
+              <a:buClrTx/>
+              <a:buSzTx/>
+              <a:buFontTx/>
+              <a:buNone/>
+              <a:tabLst/>
+              <a:defRPr/>
+            </a:pPr>
+            <a:fld id="{3A707DD9-E92B-45E8-BE0A-E6B2EDF345EB}" type="slidenum">
+              <a:rPr kumimoji="0" lang="en-US" sz="800" b="1" i="0" u="none" strike="noStrike" kern="1200" cap="none" spc="0" normalizeH="0" baseline="0" noProof="0" smtClean="0">
+                <a:ln>
+                  <a:noFill/>
+                </a:ln>
+                <a:solidFill>
+                  <a:srgbClr val="FEFEFE"/>
+                </a:solidFill>
+                <a:effectLst/>
+                <a:uLnTx/>
+                <a:uFillTx/>
+                <a:latin typeface="Calibri Light"/>
+                <a:ea typeface="+mn-ea"/>
+                <a:cs typeface="+mn-cs"/>
+              </a:rPr>
+              <a:pPr marL="0" marR="0" lvl="0" indent="0" algn="r" defTabSz="342900" rtl="0" eaLnBrk="1" fontAlgn="auto" latinLnBrk="0" hangingPunct="1">
+                <a:lnSpc>
+                  <a:spcPct val="100000"/>
+                </a:lnSpc>
+                <a:spcBef>
+                  <a:spcPts val="0"/>
+                </a:spcBef>
+                <a:spcAft>
+                  <a:spcPts val="0"/>
+                </a:spcAft>
+                <a:buClrTx/>
+                <a:buSzTx/>
+                <a:buFontTx/>
+                <a:buNone/>
+                <a:tabLst/>
+                <a:defRPr/>
+              </a:pPr>
+              <a:t>32</a:t>
+            </a:fld>
+            <a:endParaRPr kumimoji="0" lang="en-US" sz="800" b="1" i="0" u="none" strike="noStrike" kern="1200" cap="none" spc="0" normalizeH="0" baseline="0" noProof="0" dirty="0">
+              <a:ln>
+                <a:noFill/>
+              </a:ln>
+              <a:solidFill>
+                <a:srgbClr val="FEFEFE"/>
+              </a:solidFill>
+              <a:effectLst/>
+              <a:uLnTx/>
+              <a:uFillTx/>
+              <a:latin typeface="Calibri Light"/>
+              <a:ea typeface="+mn-ea"/>
+              <a:cs typeface="+mn-cs"/>
+            </a:endParaRPr>
+          </a:p>
+        </p:txBody>
+      </p:sp>
+    </p:spTree>
+    <p:extLst>
+      <p:ext uri="{BB962C8B-B14F-4D97-AF65-F5344CB8AC3E}">
+        <p14:creationId xmlns:p14="http://schemas.microsoft.com/office/powerpoint/2010/main" val="842028714"/>
+      </p:ext>
+    </p:extLst>
+  </p:cSld>
+  <p:clrMapOvr>
+    <a:masterClrMapping/>
+  </p:clrMapOvr>
+</p:sld>
+</file>
+
+<file path=ppt/slides/slide33.xml><?xml version="1.0" encoding="utf-8"?>
+<p:sld xmlns:a="http://schemas.openxmlformats.org/drawingml/2006/main" xmlns:r="http://schemas.openxmlformats.org/officeDocument/2006/relationships" xmlns:p="http://schemas.openxmlformats.org/presentationml/2006/main">
+  <p:cSld>
+    <p:spTree>
+      <p:nvGrpSpPr>
+        <p:cNvPr id="1" name=""/>
+        <p:cNvGrpSpPr/>
+        <p:nvPr/>
+      </p:nvGrpSpPr>
+      <p:grpSpPr>
+        <a:xfrm>
+          <a:off x="0" y="0"/>
+          <a:ext cx="0" cy="0"/>
+          <a:chOff x="0" y="0"/>
+          <a:chExt cx="0" cy="0"/>
+        </a:xfrm>
+      </p:grpSpPr>
+      <p:sp>
+        <p:nvSpPr>
+          <p:cNvPr id="11" name="Content Placeholder 2"/>
+          <p:cNvSpPr txBox="1">
+            <a:spLocks/>
+          </p:cNvSpPr>
+          <p:nvPr/>
+        </p:nvSpPr>
+        <p:spPr>
+          <a:xfrm>
+            <a:off x="408870" y="1503478"/>
+            <a:ext cx="8326259" cy="3287972"/>
+          </a:xfrm>
+          <a:prstGeom prst="rect">
+            <a:avLst/>
+          </a:prstGeom>
+        </p:spPr>
+        <p:txBody>
+          <a:bodyPr/>
+          <a:lstStyle>
+            <a:lvl1pPr marL="257175" indent="-257175" algn="l" defTabSz="342900" rtl="0" eaLnBrk="1" latinLnBrk="0" hangingPunct="1">
+              <a:spcBef>
+                <a:spcPct val="20000"/>
+              </a:spcBef>
+              <a:buFont typeface="Arial"/>
+              <a:buChar char="•"/>
+              <a:defRPr sz="2400" kern="1200">
+                <a:solidFill>
+                  <a:schemeClr val="tx1"/>
+                </a:solidFill>
+                <a:latin typeface="+mn-lt"/>
+                <a:ea typeface="+mn-ea"/>
+                <a:cs typeface="+mn-cs"/>
+              </a:defRPr>
+            </a:lvl1pPr>
+            <a:lvl2pPr marL="557213" indent="-214313" algn="l" defTabSz="342900" rtl="0" eaLnBrk="1" latinLnBrk="0" hangingPunct="1">
+              <a:spcBef>
+                <a:spcPct val="20000"/>
+              </a:spcBef>
+              <a:buFont typeface="Arial"/>
+              <a:buChar char="–"/>
+              <a:defRPr sz="2100" kern="1200">
+                <a:solidFill>
+                  <a:schemeClr val="tx1"/>
+                </a:solidFill>
+                <a:latin typeface="+mn-lt"/>
+                <a:ea typeface="+mn-ea"/>
+                <a:cs typeface="+mn-cs"/>
+              </a:defRPr>
+            </a:lvl2pPr>
+            <a:lvl3pPr marL="857250" indent="-171450" algn="l" defTabSz="342900" rtl="0" eaLnBrk="1" latinLnBrk="0" hangingPunct="1">
+              <a:spcBef>
+                <a:spcPct val="20000"/>
+              </a:spcBef>
+              <a:buFont typeface="Arial"/>
+              <a:buChar char="•"/>
+              <a:defRPr sz="1800" kern="1200">
+                <a:solidFill>
+                  <a:schemeClr val="tx1"/>
+                </a:solidFill>
+                <a:latin typeface="+mn-lt"/>
+                <a:ea typeface="+mn-ea"/>
+                <a:cs typeface="+mn-cs"/>
+              </a:defRPr>
+            </a:lvl3pPr>
+            <a:lvl4pPr marL="1200150" indent="-171450" algn="l" defTabSz="342900" rtl="0" eaLnBrk="1" latinLnBrk="0" hangingPunct="1">
+              <a:spcBef>
+                <a:spcPct val="20000"/>
+              </a:spcBef>
+              <a:buFont typeface="Arial"/>
+              <a:buChar char="–"/>
+              <a:defRPr sz="1500" kern="1200">
+                <a:solidFill>
+                  <a:schemeClr val="tx1"/>
+                </a:solidFill>
+                <a:latin typeface="+mn-lt"/>
+                <a:ea typeface="+mn-ea"/>
+                <a:cs typeface="+mn-cs"/>
+              </a:defRPr>
+            </a:lvl4pPr>
+            <a:lvl5pPr marL="1543050" indent="-171450" algn="l" defTabSz="342900" rtl="0" eaLnBrk="1" latinLnBrk="0" hangingPunct="1">
+              <a:spcBef>
+                <a:spcPct val="20000"/>
+              </a:spcBef>
+              <a:buFont typeface="Arial"/>
+              <a:buChar char="»"/>
+              <a:defRPr sz="1500" kern="1200">
+                <a:solidFill>
+                  <a:schemeClr val="tx1"/>
+                </a:solidFill>
+                <a:latin typeface="+mn-lt"/>
+                <a:ea typeface="+mn-ea"/>
+                <a:cs typeface="+mn-cs"/>
+              </a:defRPr>
+            </a:lvl5pPr>
+            <a:lvl6pPr marL="1885950" indent="-171450" algn="l" defTabSz="342900" rtl="0" eaLnBrk="1" latinLnBrk="0" hangingPunct="1">
+              <a:spcBef>
+                <a:spcPct val="20000"/>
+              </a:spcBef>
+              <a:buFont typeface="Arial"/>
+              <a:buChar char="•"/>
+              <a:defRPr sz="1500" kern="1200">
+                <a:solidFill>
+                  <a:schemeClr val="tx1"/>
+                </a:solidFill>
+                <a:latin typeface="+mn-lt"/>
+                <a:ea typeface="+mn-ea"/>
+                <a:cs typeface="+mn-cs"/>
+              </a:defRPr>
+            </a:lvl6pPr>
+            <a:lvl7pPr marL="2228850" indent="-171450" algn="l" defTabSz="342900" rtl="0" eaLnBrk="1" latinLnBrk="0" hangingPunct="1">
+              <a:spcBef>
+                <a:spcPct val="20000"/>
+              </a:spcBef>
+              <a:buFont typeface="Arial"/>
+              <a:buChar char="•"/>
+              <a:defRPr sz="1500" kern="1200">
+                <a:solidFill>
+                  <a:schemeClr val="tx1"/>
+                </a:solidFill>
+                <a:latin typeface="+mn-lt"/>
+                <a:ea typeface="+mn-ea"/>
+                <a:cs typeface="+mn-cs"/>
+              </a:defRPr>
+            </a:lvl7pPr>
+            <a:lvl8pPr marL="2571750" indent="-171450" algn="l" defTabSz="342900" rtl="0" eaLnBrk="1" latinLnBrk="0" hangingPunct="1">
+              <a:spcBef>
+                <a:spcPct val="20000"/>
+              </a:spcBef>
+              <a:buFont typeface="Arial"/>
+              <a:buChar char="•"/>
+              <a:defRPr sz="1500" kern="1200">
+                <a:solidFill>
+                  <a:schemeClr val="tx1"/>
+                </a:solidFill>
+                <a:latin typeface="+mn-lt"/>
+                <a:ea typeface="+mn-ea"/>
+                <a:cs typeface="+mn-cs"/>
+              </a:defRPr>
+            </a:lvl8pPr>
+            <a:lvl9pPr marL="2914650" indent="-171450" algn="l" defTabSz="342900" rtl="0" eaLnBrk="1" latinLnBrk="0" hangingPunct="1">
+              <a:spcBef>
+                <a:spcPct val="20000"/>
+              </a:spcBef>
+              <a:buFont typeface="Arial"/>
+              <a:buChar char="•"/>
+              <a:defRPr sz="1500" kern="1200">
+                <a:solidFill>
+                  <a:schemeClr val="tx1"/>
+                </a:solidFill>
+                <a:latin typeface="+mn-lt"/>
+                <a:ea typeface="+mn-ea"/>
+                <a:cs typeface="+mn-cs"/>
+              </a:defRPr>
+            </a:lvl9pPr>
+          </a:lstStyle>
+          <a:p>
+            <a:pPr marL="0" lvl="2" indent="0">
+              <a:lnSpc>
+                <a:spcPct val="110000"/>
+              </a:lnSpc>
+              <a:spcBef>
+                <a:spcPts val="0"/>
+              </a:spcBef>
+              <a:spcAft>
+                <a:spcPts val="1300"/>
+              </a:spcAft>
+              <a:buClr>
+                <a:srgbClr val="2FC2D9"/>
+              </a:buClr>
+              <a:buNone/>
+              <a:defRPr/>
+            </a:pPr>
+            <a:endParaRPr lang="en-US" sz="2000" b="1" dirty="0"/>
+          </a:p>
+        </p:txBody>
+      </p:sp>
       <p:pic>
         <p:nvPicPr>
           <p:cNvPr id="1026" name="Picture 2" descr="Contents">
@@ -38470,7 +38690,7 @@
                 <a:tabLst/>
                 <a:defRPr/>
               </a:pPr>
-              <a:t>32</a:t>
+              <a:t>33</a:t>
             </a:fld>
             <a:endParaRPr kumimoji="0" lang="en-US" sz="800" b="1" i="0" u="none" strike="noStrike" kern="1200" cap="none" spc="0" normalizeH="0" baseline="0" noProof="0" dirty="0">
               <a:ln>
@@ -38502,7 +38722,7 @@
 </p:sld>
 </file>
 
-<file path=ppt/slides/slide33.xml><?xml version="1.0" encoding="utf-8"?>
+<file path=ppt/slides/slide34.xml><?xml version="1.0" encoding="utf-8"?>
 <p:sld xmlns:a="http://schemas.openxmlformats.org/drawingml/2006/main" xmlns:r="http://schemas.openxmlformats.org/officeDocument/2006/relationships" xmlns:p="http://schemas.openxmlformats.org/presentationml/2006/main">
   <p:cSld>
     <p:spTree>
@@ -38571,7 +38791,7 @@
             <a:fld id="{3A707DD9-E92B-45E8-BE0A-E6B2EDF345EB}" type="slidenum">
               <a:rPr lang="en-US" smtClean="0"/>
               <a:pPr/>
-              <a:t>33</a:t>
+              <a:t>34</a:t>
             </a:fld>
             <a:endParaRPr lang="en-US" dirty="0"/>
           </a:p>
